--- a/docs/AFootnote.pptx
+++ b/docs/AFootnote.pptx
@@ -117,6 +117,9 @@
     <p:ext uri="{EFAFB233-063F-42B5-8137-9DF3F51BA10A}">
       <p15:sldGuideLst xmlns:p15="http://schemas.microsoft.com/office/powerpoint/2012/main"/>
     </p:ext>
+    <p:ext uri="{2D200454-40CA-4A62-9FC3-DE9A4176ACB9}">
+      <p15:notesGuideLst xmlns:p15="http://schemas.microsoft.com/office/powerpoint/2012/main"/>
+    </p:ext>
   </p:extLst>
 </p:presentation>
 </file>
@@ -203,7 +206,7 @@
           <a:p>
             <a:fld id="{4D2A5A54-57FA-4281-A6F5-1860CF48FA07}" type="datetimeFigureOut">
               <a:rPr lang="en-US" smtClean="0"/>
-              <a:t>12/3/2019</a:t>
+              <a:t>1/25/2021</a:t>
             </a:fld>
             <a:endParaRPr lang="en-US"/>
           </a:p>
@@ -7376,7 +7379,7 @@
                                         <p:tgtEl>
                                           <p:spTgt spid="3">
                                             <p:txEl>
-                                              <p:charRg st="35" end="66"/>
+                                              <p:pRg st="1" end="1"/>
                                             </p:txEl>
                                           </p:spTgt>
                                         </p:tgtEl>
@@ -7394,7 +7397,7 @@
                                         <p:tgtEl>
                                           <p:spTgt spid="3">
                                             <p:txEl>
-                                              <p:charRg st="35" end="66"/>
+                                              <p:pRg st="1" end="1"/>
                                             </p:txEl>
                                           </p:spTgt>
                                         </p:tgtEl>
@@ -7428,7 +7431,7 @@
                                         <p:tgtEl>
                                           <p:spTgt spid="3">
                                             <p:txEl>
-                                              <p:charRg st="66" end="87"/>
+                                              <p:pRg st="2" end="2"/>
                                             </p:txEl>
                                           </p:spTgt>
                                         </p:tgtEl>
@@ -7446,7 +7449,7 @@
                                         <p:tgtEl>
                                           <p:spTgt spid="3">
                                             <p:txEl>
-                                              <p:charRg st="66" end="87"/>
+                                              <p:pRg st="2" end="2"/>
                                             </p:txEl>
                                           </p:spTgt>
                                         </p:tgtEl>
@@ -7480,7 +7483,7 @@
                                         <p:tgtEl>
                                           <p:spTgt spid="3">
                                             <p:txEl>
-                                              <p:charRg st="87" end="124"/>
+                                              <p:pRg st="3" end="3"/>
                                             </p:txEl>
                                           </p:spTgt>
                                         </p:tgtEl>
@@ -7498,7 +7501,7 @@
                                         <p:tgtEl>
                                           <p:spTgt spid="3">
                                             <p:txEl>
-                                              <p:charRg st="87" end="124"/>
+                                              <p:pRg st="3" end="3"/>
                                             </p:txEl>
                                           </p:spTgt>
                                         </p:tgtEl>
@@ -7643,14 +7646,14 @@
             <a:pPr lvl="1"/>
             <a:r>
               <a:rPr lang="en-US" sz="2400" dirty="0"/>
-              <a:t>There are proper names, words or terms that differ between various Bible versions</a:t>
+              <a:t>There are names or other words that differ between various Bible versions.</a:t>
             </a:r>
           </a:p>
           <a:p>
             <a:pPr lvl="1"/>
             <a:r>
               <a:rPr lang="en-US" sz="2400" dirty="0"/>
-              <a:t>There are missing words or verses in the ULB. (There may be text in one Bible version that is not present in the ULB.)</a:t>
+              <a:t>Some versions of the Bible have words or verses that are not in the ULB.</a:t>
             </a:r>
           </a:p>
         </p:txBody>
@@ -7679,6 +7682,36 @@
           <a:xfrm>
             <a:off x="10707690" y="2696812"/>
             <a:ext cx="1200055" cy="1200055"/>
+          </a:xfrm>
+          <a:prstGeom prst="rect">
+            <a:avLst/>
+          </a:prstGeom>
+        </p:spPr>
+      </p:pic>
+      <p:pic>
+        <p:nvPicPr>
+          <p:cNvPr id="5" name="Picture 4">
+            <a:extLst>
+              <a:ext uri="{FF2B5EF4-FFF2-40B4-BE49-F238E27FC236}">
+                <a16:creationId xmlns:a16="http://schemas.microsoft.com/office/drawing/2014/main" id="{0B3885F7-8BB7-4DF7-A31A-5B7AAEC6FFB8}"/>
+              </a:ext>
+            </a:extLst>
+          </p:cNvPr>
+          <p:cNvPicPr>
+            <a:picLocks noChangeAspect="1"/>
+          </p:cNvPicPr>
+          <p:nvPr/>
+        </p:nvPicPr>
+        <p:blipFill>
+          <a:blip r:embed="rId4"/>
+          <a:stretch>
+            <a:fillRect/>
+          </a:stretch>
+        </p:blipFill>
+        <p:spPr>
+          <a:xfrm>
+            <a:off x="3119437" y="3252787"/>
+            <a:ext cx="5953125" cy="352425"/>
           </a:xfrm>
           <a:prstGeom prst="rect">
             <a:avLst/>
@@ -9026,8 +9059,12 @@
               <a:buAutoNum type="arabicPeriod" startAt="4"/>
             </a:pPr>
             <a:r>
+              <a:rPr lang="en-US" sz="2400"/>
+              <a:t>The </a:t>
+            </a:r>
+            <a:r>
               <a:rPr lang="en-US" sz="2400" dirty="0"/>
-              <a:t> The footnote icon now appears inline. Tap the check mark to save the changes.</a:t>
+              <a:t>footnote icon now appears inline. Tap the check mark to save the changes.</a:t>
             </a:r>
           </a:p>
           <a:p>
@@ -10758,18 +10795,18 @@
 </file>
 
 <file path=customXml/item2.xml><?xml version="1.0" encoding="utf-8"?>
+<p:properties xmlns:p="http://schemas.microsoft.com/office/2006/metadata/properties" xmlns:xsi="http://www.w3.org/2001/XMLSchema-instance" xmlns:pc="http://schemas.microsoft.com/office/infopath/2007/PartnerControls">
+  <documentManagement/>
+</p:properties>
+</file>
+
+<file path=customXml/item3.xml><?xml version="1.0" encoding="utf-8"?>
 <?mso-contentType ?>
 <FormTemplates xmlns="http://schemas.microsoft.com/sharepoint/v3/contenttype/forms">
   <Display>DocumentLibraryForm</Display>
   <Edit>DocumentLibraryForm</Edit>
   <New>DocumentLibraryForm</New>
 </FormTemplates>
-</file>
-
-<file path=customXml/item3.xml><?xml version="1.0" encoding="utf-8"?>
-<p:properties xmlns:p="http://schemas.microsoft.com/office/2006/metadata/properties" xmlns:xsi="http://www.w3.org/2001/XMLSchema-instance" xmlns:pc="http://schemas.microsoft.com/office/infopath/2007/PartnerControls">
-  <documentManagement/>
-</p:properties>
 </file>
 
 <file path=customXml/itemProps1.xml><?xml version="1.0" encoding="utf-8"?>
@@ -10792,14 +10829,6 @@
 </file>
 
 <file path=customXml/itemProps2.xml><?xml version="1.0" encoding="utf-8"?>
-<ds:datastoreItem xmlns:ds="http://schemas.openxmlformats.org/officeDocument/2006/customXml" ds:itemID="{64CFF4CB-2157-4462-882E-7C7509AE6A60}">
-  <ds:schemaRefs>
-    <ds:schemaRef ds:uri="http://schemas.microsoft.com/sharepoint/v3/contenttype/forms"/>
-  </ds:schemaRefs>
-</ds:datastoreItem>
-</file>
-
-<file path=customXml/itemProps3.xml><?xml version="1.0" encoding="utf-8"?>
 <ds:datastoreItem xmlns:ds="http://schemas.openxmlformats.org/officeDocument/2006/customXml" ds:itemID="{D6405D58-8AA8-4FB2-A549-3AE7234CE79B}">
   <ds:schemaRefs>
     <ds:schemaRef ds:uri="http://schemas.microsoft.com/office/2006/metadata/properties"/>
@@ -10814,4 +10843,12 @@
     <ds:schemaRef ds:uri="http://purl.org/dc/dcmitype/"/>
   </ds:schemaRefs>
 </ds:datastoreItem>
+</file>
+
+<file path=customXml/itemProps3.xml><?xml version="1.0" encoding="utf-8"?>
+<ds:datastoreItem xmlns:ds="http://schemas.openxmlformats.org/officeDocument/2006/customXml" ds:itemID="{64CFF4CB-2157-4462-882E-7C7509AE6A60}">
+  <ds:schemaRefs>
+    <ds:schemaRef ds:uri="http://schemas.microsoft.com/sharepoint/v3/contenttype/forms"/>
+  </ds:schemaRefs>
+</ds:datastoreItem>
 </file>